--- a/Document/Hướng dẫn sử dụng hệ thống DigiX Tracking.pptx
+++ b/Document/Hướng dẫn sử dụng hệ thống DigiX Tracking.pptx
@@ -114,6 +114,11 @@
       </a:defRPr>
     </a:lvl9pPr>
   </p:defaultTextStyle>
+  <p:extLst>
+    <p:ext uri="{EFAFB233-063F-42B5-8137-9DF3F51BA10A}">
+      <p15:sldGuideLst xmlns:p15="http://schemas.microsoft.com/office/powerpoint/2012/main"/>
+    </p:ext>
+  </p:extLst>
 </p:presentation>
 </file>
 
@@ -3364,15 +3369,7 @@
                   <a:srgbClr val="002060"/>
                 </a:solidFill>
               </a:rPr>
-              <a:t>B1: </a:t>
-            </a:r>
-            <a:r>
-              <a:rPr lang="en-US" dirty="0" smtClean="0">
-                <a:solidFill>
-                  <a:srgbClr val="002060"/>
-                </a:solidFill>
-              </a:rPr>
-              <a:t>Đăng </a:t>
+              <a:t>B1: Đăng </a:t>
             </a:r>
             <a:r>
               <a:rPr lang="en-US" dirty="0" err="1" smtClean="0">
@@ -3783,15 +3780,7 @@
                   <a:srgbClr val="002060"/>
                 </a:solidFill>
               </a:rPr>
-              <a:t>B2: </a:t>
-            </a:r>
-            <a:r>
-              <a:rPr lang="en-US" dirty="0" smtClean="0">
-                <a:solidFill>
-                  <a:srgbClr val="002060"/>
-                </a:solidFill>
-              </a:rPr>
-              <a:t>Các chức năng phần </a:t>
+              <a:t>B2: Các chức năng phần </a:t>
             </a:r>
             <a:r>
               <a:rPr lang="en-US" dirty="0" err="1" smtClean="0">
@@ -3841,7 +3830,41 @@
                   <a:srgbClr val="002060"/>
                 </a:solidFill>
               </a:rPr>
-              <a:t> bắt đầu</a:t>
+              <a:t> bắt đầu:</a:t>
+            </a:r>
+            <a:r>
+              <a:rPr lang="en-US" dirty="0" smtClean="0">
+                <a:solidFill>
+                  <a:srgbClr val="002060"/>
+                </a:solidFill>
+              </a:rPr>
+              <a:t> Điểm </a:t>
+            </a:r>
+            <a:r>
+              <a:rPr lang="en-US" dirty="0" err="1" smtClean="0">
+                <a:solidFill>
+                  <a:srgbClr val="002060"/>
+                </a:solidFill>
+              </a:rPr>
+              <a:t>danh</a:t>
+            </a:r>
+            <a:r>
+              <a:rPr lang="en-US" dirty="0" smtClean="0">
+                <a:solidFill>
+                  <a:srgbClr val="002060"/>
+                </a:solidFill>
+              </a:rPr>
+              <a:t> giờ bắt đầu làm việc trong ngày.</a:t>
+            </a:r>
+          </a:p>
+          <a:p>
+            <a:r>
+              <a:rPr lang="en-US" dirty="0" smtClean="0">
+                <a:solidFill>
+                  <a:srgbClr val="002060"/>
+                </a:solidFill>
+              </a:rPr>
+              <a:t>2- </a:t>
             </a:r>
             <a:r>
               <a:rPr lang="en-US" b="1" dirty="0" smtClean="0">
@@ -3849,18 +3872,10 @@
                   <a:srgbClr val="002060"/>
                 </a:solidFill>
               </a:rPr>
-              <a:t>:</a:t>
-            </a:r>
-            <a:r>
-              <a:rPr lang="en-US" dirty="0" smtClean="0">
-                <a:solidFill>
-                  <a:srgbClr val="002060"/>
-                </a:solidFill>
-              </a:rPr>
-              <a:t> Điểm </a:t>
-            </a:r>
-            <a:r>
-              <a:rPr lang="en-US" dirty="0" err="1" smtClean="0">
+              <a:t>Điểm </a:t>
+            </a:r>
+            <a:r>
+              <a:rPr lang="en-US" b="1" dirty="0" err="1" smtClean="0">
                 <a:solidFill>
                   <a:srgbClr val="002060"/>
                 </a:solidFill>
@@ -3868,41 +3883,39 @@
               <a:t>danh</a:t>
             </a:r>
             <a:r>
-              <a:rPr lang="en-US" dirty="0" smtClean="0">
-                <a:solidFill>
-                  <a:srgbClr val="002060"/>
-                </a:solidFill>
-              </a:rPr>
-              <a:t> giờ bắt đầu </a:t>
-            </a:r>
-            <a:r>
-              <a:rPr lang="en-US" dirty="0" smtClean="0">
-                <a:solidFill>
-                  <a:srgbClr val="002060"/>
-                </a:solidFill>
-              </a:rPr>
-              <a:t>làm việc trong ngày.</a:t>
-            </a:r>
-          </a:p>
-          <a:p>
-            <a:r>
-              <a:rPr lang="en-US" dirty="0" smtClean="0">
-                <a:solidFill>
-                  <a:srgbClr val="002060"/>
-                </a:solidFill>
-              </a:rPr>
-              <a:t>2- </a:t>
-            </a:r>
-            <a:r>
               <a:rPr lang="en-US" b="1" dirty="0" smtClean="0">
                 <a:solidFill>
                   <a:srgbClr val="002060"/>
                 </a:solidFill>
               </a:rPr>
+              <a:t> kết </a:t>
+            </a:r>
+            <a:r>
+              <a:rPr lang="en-US" b="1" dirty="0" err="1" smtClean="0">
+                <a:solidFill>
+                  <a:srgbClr val="002060"/>
+                </a:solidFill>
+              </a:rPr>
+              <a:t>thúc</a:t>
+            </a:r>
+            <a:r>
+              <a:rPr lang="en-US" b="1" dirty="0" smtClean="0">
+                <a:solidFill>
+                  <a:srgbClr val="002060"/>
+                </a:solidFill>
+              </a:rPr>
+              <a:t>: </a:t>
+            </a:r>
+            <a:r>
+              <a:rPr lang="en-US" dirty="0" smtClean="0">
+                <a:solidFill>
+                  <a:srgbClr val="002060"/>
+                </a:solidFill>
+              </a:rPr>
               <a:t>Điểm </a:t>
             </a:r>
             <a:r>
-              <a:rPr lang="en-US" b="1" dirty="0" err="1" smtClean="0">
+              <a:rPr lang="en-US" dirty="0" err="1" smtClean="0">
                 <a:solidFill>
                   <a:srgbClr val="002060"/>
                 </a:solidFill>
@@ -3910,15 +3923,15 @@
               <a:t>danh</a:t>
             </a:r>
             <a:r>
-              <a:rPr lang="en-US" b="1" dirty="0" smtClean="0">
-                <a:solidFill>
-                  <a:srgbClr val="002060"/>
-                </a:solidFill>
-              </a:rPr>
-              <a:t> kết </a:t>
-            </a:r>
-            <a:r>
-              <a:rPr lang="en-US" b="1" dirty="0" err="1" smtClean="0">
+              <a:rPr lang="en-US" dirty="0" smtClean="0">
+                <a:solidFill>
+                  <a:srgbClr val="002060"/>
+                </a:solidFill>
+              </a:rPr>
+              <a:t> giờ kết </a:t>
+            </a:r>
+            <a:r>
+              <a:rPr lang="en-US" dirty="0" err="1" smtClean="0">
                 <a:solidFill>
                   <a:srgbClr val="002060"/>
                 </a:solidFill>
@@ -3926,66 +3939,13 @@
               <a:t>thúc</a:t>
             </a:r>
             <a:r>
-              <a:rPr lang="en-US" b="1" dirty="0" smtClean="0">
-                <a:solidFill>
-                  <a:srgbClr val="002060"/>
-                </a:solidFill>
-              </a:rPr>
-              <a:t>: </a:t>
-            </a:r>
-            <a:r>
-              <a:rPr lang="en-US" dirty="0" smtClean="0">
-                <a:solidFill>
-                  <a:srgbClr val="002060"/>
-                </a:solidFill>
-              </a:rPr>
-              <a:t>Điểm </a:t>
-            </a:r>
-            <a:r>
-              <a:rPr lang="en-US" dirty="0" err="1" smtClean="0">
-                <a:solidFill>
-                  <a:srgbClr val="002060"/>
-                </a:solidFill>
-              </a:rPr>
-              <a:t>danh</a:t>
-            </a:r>
-            <a:r>
-              <a:rPr lang="en-US" dirty="0" smtClean="0">
-                <a:solidFill>
-                  <a:srgbClr val="002060"/>
-                </a:solidFill>
-              </a:rPr>
-              <a:t> giờ kết </a:t>
-            </a:r>
-            <a:r>
-              <a:rPr lang="en-US" dirty="0" err="1" smtClean="0">
-                <a:solidFill>
-                  <a:srgbClr val="002060"/>
-                </a:solidFill>
-              </a:rPr>
-              <a:t>thúc</a:t>
-            </a:r>
-            <a:r>
-              <a:rPr lang="en-US" dirty="0" smtClean="0">
-                <a:solidFill>
-                  <a:srgbClr val="002060"/>
-                </a:solidFill>
-              </a:rPr>
-              <a:t> làm việc trong ngày</a:t>
-            </a:r>
-            <a:r>
-              <a:rPr lang="en-US" dirty="0" smtClean="0">
-                <a:solidFill>
-                  <a:srgbClr val="002060"/>
-                </a:solidFill>
-              </a:rPr>
-              <a:t>.</a:t>
-            </a:r>
-            <a:endParaRPr lang="en-US" dirty="0" smtClean="0">
-              <a:solidFill>
-                <a:srgbClr val="002060"/>
-              </a:solidFill>
-            </a:endParaRPr>
+              <a:rPr lang="en-US" dirty="0" smtClean="0">
+                <a:solidFill>
+                  <a:srgbClr val="002060"/>
+                </a:solidFill>
+              </a:rPr>
+              <a:t> làm việc trong ngày.</a:t>
+            </a:r>
           </a:p>
           <a:p>
             <a:r>
@@ -4563,11 +4523,6 @@
               </a:rPr>
               <a:t>:</a:t>
             </a:r>
-            <a:endParaRPr lang="en-US" dirty="0" smtClean="0">
-              <a:solidFill>
-                <a:srgbClr val="002060"/>
-              </a:solidFill>
-            </a:endParaRPr>
           </a:p>
           <a:p>
             <a:r>
@@ -4600,7 +4555,41 @@
                   <a:srgbClr val="002060"/>
                 </a:solidFill>
               </a:rPr>
-              <a:t> bắt đầu</a:t>
+              <a:t> bắt đầu:</a:t>
+            </a:r>
+            <a:r>
+              <a:rPr lang="en-US" dirty="0" smtClean="0">
+                <a:solidFill>
+                  <a:srgbClr val="002060"/>
+                </a:solidFill>
+              </a:rPr>
+              <a:t> Điểm </a:t>
+            </a:r>
+            <a:r>
+              <a:rPr lang="en-US" dirty="0" err="1" smtClean="0">
+                <a:solidFill>
+                  <a:srgbClr val="002060"/>
+                </a:solidFill>
+              </a:rPr>
+              <a:t>danh</a:t>
+            </a:r>
+            <a:r>
+              <a:rPr lang="en-US" dirty="0" smtClean="0">
+                <a:solidFill>
+                  <a:srgbClr val="002060"/>
+                </a:solidFill>
+              </a:rPr>
+              <a:t> giờ bắt đầu làm việc trong ngày.</a:t>
+            </a:r>
+          </a:p>
+          <a:p>
+            <a:r>
+              <a:rPr lang="en-US" dirty="0" smtClean="0">
+                <a:solidFill>
+                  <a:srgbClr val="002060"/>
+                </a:solidFill>
+              </a:rPr>
+              <a:t>2- </a:t>
             </a:r>
             <a:r>
               <a:rPr lang="en-US" b="1" dirty="0" smtClean="0">
@@ -4608,18 +4597,10 @@
                   <a:srgbClr val="002060"/>
                 </a:solidFill>
               </a:rPr>
-              <a:t>:</a:t>
-            </a:r>
-            <a:r>
-              <a:rPr lang="en-US" dirty="0" smtClean="0">
-                <a:solidFill>
-                  <a:srgbClr val="002060"/>
-                </a:solidFill>
-              </a:rPr>
-              <a:t> Điểm </a:t>
-            </a:r>
-            <a:r>
-              <a:rPr lang="en-US" dirty="0" err="1" smtClean="0">
+              <a:t>Điểm </a:t>
+            </a:r>
+            <a:r>
+              <a:rPr lang="en-US" b="1" dirty="0" err="1" smtClean="0">
                 <a:solidFill>
                   <a:srgbClr val="002060"/>
                 </a:solidFill>
@@ -4627,41 +4608,39 @@
               <a:t>danh</a:t>
             </a:r>
             <a:r>
-              <a:rPr lang="en-US" dirty="0" smtClean="0">
-                <a:solidFill>
-                  <a:srgbClr val="002060"/>
-                </a:solidFill>
-              </a:rPr>
-              <a:t> giờ bắt đầu </a:t>
-            </a:r>
-            <a:r>
-              <a:rPr lang="en-US" dirty="0" smtClean="0">
-                <a:solidFill>
-                  <a:srgbClr val="002060"/>
-                </a:solidFill>
-              </a:rPr>
-              <a:t>làm việc trong ngày.</a:t>
-            </a:r>
-          </a:p>
-          <a:p>
-            <a:r>
-              <a:rPr lang="en-US" dirty="0" smtClean="0">
-                <a:solidFill>
-                  <a:srgbClr val="002060"/>
-                </a:solidFill>
-              </a:rPr>
-              <a:t>2- </a:t>
-            </a:r>
-            <a:r>
               <a:rPr lang="en-US" b="1" dirty="0" smtClean="0">
                 <a:solidFill>
                   <a:srgbClr val="002060"/>
                 </a:solidFill>
               </a:rPr>
+              <a:t> kết </a:t>
+            </a:r>
+            <a:r>
+              <a:rPr lang="en-US" b="1" dirty="0" err="1" smtClean="0">
+                <a:solidFill>
+                  <a:srgbClr val="002060"/>
+                </a:solidFill>
+              </a:rPr>
+              <a:t>thúc</a:t>
+            </a:r>
+            <a:r>
+              <a:rPr lang="en-US" b="1" dirty="0" smtClean="0">
+                <a:solidFill>
+                  <a:srgbClr val="002060"/>
+                </a:solidFill>
+              </a:rPr>
+              <a:t>: </a:t>
+            </a:r>
+            <a:r>
+              <a:rPr lang="en-US" dirty="0" smtClean="0">
+                <a:solidFill>
+                  <a:srgbClr val="002060"/>
+                </a:solidFill>
+              </a:rPr>
               <a:t>Điểm </a:t>
             </a:r>
             <a:r>
-              <a:rPr lang="en-US" b="1" dirty="0" err="1" smtClean="0">
+              <a:rPr lang="en-US" dirty="0" err="1" smtClean="0">
                 <a:solidFill>
                   <a:srgbClr val="002060"/>
                 </a:solidFill>
@@ -4669,15 +4648,15 @@
               <a:t>danh</a:t>
             </a:r>
             <a:r>
-              <a:rPr lang="en-US" b="1" dirty="0" smtClean="0">
-                <a:solidFill>
-                  <a:srgbClr val="002060"/>
-                </a:solidFill>
-              </a:rPr>
-              <a:t> kết </a:t>
-            </a:r>
-            <a:r>
-              <a:rPr lang="en-US" b="1" dirty="0" err="1" smtClean="0">
+              <a:rPr lang="en-US" dirty="0" smtClean="0">
+                <a:solidFill>
+                  <a:srgbClr val="002060"/>
+                </a:solidFill>
+              </a:rPr>
+              <a:t> giờ kết </a:t>
+            </a:r>
+            <a:r>
+              <a:rPr lang="en-US" dirty="0" err="1" smtClean="0">
                 <a:solidFill>
                   <a:srgbClr val="002060"/>
                 </a:solidFill>
@@ -4685,66 +4664,13 @@
               <a:t>thúc</a:t>
             </a:r>
             <a:r>
-              <a:rPr lang="en-US" b="1" dirty="0" smtClean="0">
-                <a:solidFill>
-                  <a:srgbClr val="002060"/>
-                </a:solidFill>
-              </a:rPr>
-              <a:t>: </a:t>
-            </a:r>
-            <a:r>
-              <a:rPr lang="en-US" dirty="0" smtClean="0">
-                <a:solidFill>
-                  <a:srgbClr val="002060"/>
-                </a:solidFill>
-              </a:rPr>
-              <a:t>Điểm </a:t>
-            </a:r>
-            <a:r>
-              <a:rPr lang="en-US" dirty="0" err="1" smtClean="0">
-                <a:solidFill>
-                  <a:srgbClr val="002060"/>
-                </a:solidFill>
-              </a:rPr>
-              <a:t>danh</a:t>
-            </a:r>
-            <a:r>
-              <a:rPr lang="en-US" dirty="0" smtClean="0">
-                <a:solidFill>
-                  <a:srgbClr val="002060"/>
-                </a:solidFill>
-              </a:rPr>
-              <a:t> giờ kết </a:t>
-            </a:r>
-            <a:r>
-              <a:rPr lang="en-US" dirty="0" err="1" smtClean="0">
-                <a:solidFill>
-                  <a:srgbClr val="002060"/>
-                </a:solidFill>
-              </a:rPr>
-              <a:t>thúc</a:t>
-            </a:r>
-            <a:r>
-              <a:rPr lang="en-US" dirty="0" smtClean="0">
-                <a:solidFill>
-                  <a:srgbClr val="002060"/>
-                </a:solidFill>
-              </a:rPr>
-              <a:t> làm việc trong ngày</a:t>
-            </a:r>
-            <a:r>
-              <a:rPr lang="en-US" dirty="0" smtClean="0">
-                <a:solidFill>
-                  <a:srgbClr val="002060"/>
-                </a:solidFill>
-              </a:rPr>
-              <a:t>.</a:t>
-            </a:r>
-            <a:endParaRPr lang="en-US" dirty="0" smtClean="0">
-              <a:solidFill>
-                <a:srgbClr val="002060"/>
-              </a:solidFill>
-            </a:endParaRPr>
+              <a:rPr lang="en-US" dirty="0" smtClean="0">
+                <a:solidFill>
+                  <a:srgbClr val="002060"/>
+                </a:solidFill>
+              </a:rPr>
+              <a:t> làm việc trong ngày.</a:t>
+            </a:r>
           </a:p>
           <a:p>
             <a:endParaRPr lang="en-US" dirty="0" smtClean="0">
@@ -4969,11 +4895,6 @@
               </a:rPr>
               <a:t> đặt POSM:</a:t>
             </a:r>
-            <a:endParaRPr lang="en-US" dirty="0" smtClean="0">
-              <a:solidFill>
-                <a:srgbClr val="002060"/>
-              </a:solidFill>
-            </a:endParaRPr>
           </a:p>
           <a:p>
             <a:r>
@@ -5014,21 +4935,8 @@
                   <a:srgbClr val="002060"/>
                 </a:solidFill>
               </a:rPr>
-              <a:t> hàng được phân công làm việc</a:t>
-            </a:r>
-            <a:r>
-              <a:rPr lang="en-US" dirty="0" smtClean="0">
-                <a:solidFill>
-                  <a:srgbClr val="002060"/>
-                </a:solidFill>
-              </a:rPr>
-              <a:t>.</a:t>
-            </a:r>
-            <a:endParaRPr lang="en-US" dirty="0" smtClean="0">
-              <a:solidFill>
-                <a:srgbClr val="002060"/>
-              </a:solidFill>
-            </a:endParaRPr>
+              <a:t> hàng được phân công làm việc.</a:t>
+            </a:r>
           </a:p>
           <a:p>
             <a:r>
@@ -5161,11 +5069,6 @@
               </a:rPr>
               <a:t> hàng.</a:t>
             </a:r>
-            <a:endParaRPr lang="en-US" dirty="0" smtClean="0">
-              <a:solidFill>
-                <a:srgbClr val="002060"/>
-              </a:solidFill>
-            </a:endParaRPr>
           </a:p>
           <a:p>
             <a:endParaRPr lang="en-US" dirty="0" smtClean="0">
@@ -5299,6 +5202,298 @@
           </a:effectLst>
         </p:spPr>
       </p:pic>
+      <p:sp>
+        <p:nvSpPr>
+          <p:cNvPr id="3" name="Rectangle 2"/>
+          <p:cNvSpPr/>
+          <p:nvPr/>
+        </p:nvSpPr>
+        <p:spPr>
+          <a:xfrm>
+            <a:off x="7986584" y="502508"/>
+            <a:ext cx="4098324" cy="5272216"/>
+          </a:xfrm>
+          <a:prstGeom prst="rect">
+            <a:avLst/>
+          </a:prstGeom>
+          <a:noFill/>
+          <a:ln w="38100">
+            <a:solidFill>
+              <a:srgbClr val="FF0000"/>
+            </a:solidFill>
+          </a:ln>
+        </p:spPr>
+        <p:style>
+          <a:lnRef idx="2">
+            <a:schemeClr val="accent1">
+              <a:shade val="50000"/>
+            </a:schemeClr>
+          </a:lnRef>
+          <a:fillRef idx="1">
+            <a:schemeClr val="accent1"/>
+          </a:fillRef>
+          <a:effectRef idx="0">
+            <a:schemeClr val="accent1"/>
+          </a:effectRef>
+          <a:fontRef idx="minor">
+            <a:schemeClr val="lt1"/>
+          </a:fontRef>
+        </p:style>
+        <p:txBody>
+          <a:bodyPr rtlCol="0" anchor="ctr"/>
+          <a:lstStyle/>
+          <a:p>
+            <a:r>
+              <a:rPr lang="en-US" dirty="0" smtClean="0">
+                <a:solidFill>
+                  <a:srgbClr val="002060"/>
+                </a:solidFill>
+              </a:rPr>
+              <a:t>B5: </a:t>
+            </a:r>
+            <a:r>
+              <a:rPr lang="en-US" dirty="0" err="1" smtClean="0">
+                <a:solidFill>
+                  <a:srgbClr val="002060"/>
+                </a:solidFill>
+              </a:rPr>
+              <a:t>Thực</a:t>
+            </a:r>
+            <a:r>
+              <a:rPr lang="en-US" dirty="0" smtClean="0">
+                <a:solidFill>
+                  <a:srgbClr val="002060"/>
+                </a:solidFill>
+              </a:rPr>
+              <a:t> hiện báo </a:t>
+            </a:r>
+            <a:r>
+              <a:rPr lang="en-US" dirty="0" err="1" smtClean="0">
+                <a:solidFill>
+                  <a:srgbClr val="002060"/>
+                </a:solidFill>
+              </a:rPr>
+              <a:t>cáo</a:t>
+            </a:r>
+            <a:r>
+              <a:rPr lang="en-US" dirty="0" smtClean="0">
+                <a:solidFill>
+                  <a:srgbClr val="002060"/>
+                </a:solidFill>
+              </a:rPr>
+              <a:t> </a:t>
+            </a:r>
+            <a:r>
+              <a:rPr lang="en-US" dirty="0" err="1" smtClean="0">
+                <a:solidFill>
+                  <a:srgbClr val="002060"/>
+                </a:solidFill>
+              </a:rPr>
+              <a:t>lắp</a:t>
+            </a:r>
+            <a:r>
+              <a:rPr lang="en-US" dirty="0" smtClean="0">
+                <a:solidFill>
+                  <a:srgbClr val="002060"/>
+                </a:solidFill>
+              </a:rPr>
+              <a:t> đặt </a:t>
+            </a:r>
+            <a:r>
+              <a:rPr lang="en-US" dirty="0" smtClean="0">
+                <a:solidFill>
+                  <a:srgbClr val="002060"/>
+                </a:solidFill>
+              </a:rPr>
+              <a:t>POSM(</a:t>
+            </a:r>
+            <a:r>
+              <a:rPr lang="en-US" dirty="0" err="1" smtClean="0">
+                <a:solidFill>
+                  <a:srgbClr val="002060"/>
+                </a:solidFill>
+              </a:rPr>
+              <a:t>tt</a:t>
+            </a:r>
+            <a:r>
+              <a:rPr lang="en-US" dirty="0" smtClean="0">
+                <a:solidFill>
+                  <a:srgbClr val="002060"/>
+                </a:solidFill>
+              </a:rPr>
+              <a:t>):</a:t>
+            </a:r>
+            <a:endParaRPr lang="en-US" dirty="0" smtClean="0">
+              <a:solidFill>
+                <a:srgbClr val="002060"/>
+              </a:solidFill>
+            </a:endParaRPr>
+          </a:p>
+          <a:p>
+            <a:r>
+              <a:rPr lang="en-US" dirty="0" smtClean="0">
+                <a:solidFill>
+                  <a:srgbClr val="002060"/>
+                </a:solidFill>
+              </a:rPr>
+              <a:t>1- </a:t>
+            </a:r>
+            <a:r>
+              <a:rPr lang="en-US" dirty="0" err="1" smtClean="0">
+                <a:solidFill>
+                  <a:srgbClr val="002060"/>
+                </a:solidFill>
+              </a:rPr>
+              <a:t>Nhập</a:t>
+            </a:r>
+            <a:r>
+              <a:rPr lang="en-US" dirty="0" smtClean="0">
+                <a:solidFill>
+                  <a:srgbClr val="002060"/>
+                </a:solidFill>
+              </a:rPr>
+              <a:t> </a:t>
+            </a:r>
+            <a:r>
+              <a:rPr lang="en-US" dirty="0" smtClean="0">
+                <a:solidFill>
+                  <a:srgbClr val="002060"/>
+                </a:solidFill>
+              </a:rPr>
+              <a:t>Ghi chú.</a:t>
+            </a:r>
+            <a:endParaRPr lang="en-US" dirty="0" smtClean="0">
+              <a:solidFill>
+                <a:srgbClr val="002060"/>
+              </a:solidFill>
+            </a:endParaRPr>
+          </a:p>
+          <a:p>
+            <a:r>
+              <a:rPr lang="en-US" dirty="0" smtClean="0">
+                <a:solidFill>
+                  <a:srgbClr val="002060"/>
+                </a:solidFill>
+              </a:rPr>
+              <a:t>2- </a:t>
+            </a:r>
+            <a:r>
+              <a:rPr lang="en-US" dirty="0" smtClean="0">
+                <a:solidFill>
+                  <a:srgbClr val="002060"/>
+                </a:solidFill>
+              </a:rPr>
+              <a:t>Chọn mục “</a:t>
+            </a:r>
+            <a:r>
+              <a:rPr lang="en-US" dirty="0" err="1" smtClean="0">
+                <a:solidFill>
+                  <a:srgbClr val="002060"/>
+                </a:solidFill>
+              </a:rPr>
+              <a:t>Thành</a:t>
+            </a:r>
+            <a:r>
+              <a:rPr lang="en-US" dirty="0" smtClean="0">
+                <a:solidFill>
+                  <a:srgbClr val="002060"/>
+                </a:solidFill>
+              </a:rPr>
+              <a:t> công”.</a:t>
+            </a:r>
+            <a:endParaRPr lang="en-US" dirty="0" smtClean="0">
+              <a:solidFill>
+                <a:srgbClr val="002060"/>
+              </a:solidFill>
+            </a:endParaRPr>
+          </a:p>
+          <a:p>
+            <a:r>
+              <a:rPr lang="en-US" dirty="0" smtClean="0">
+                <a:solidFill>
+                  <a:srgbClr val="002060"/>
+                </a:solidFill>
+              </a:rPr>
+              <a:t>3- </a:t>
+            </a:r>
+            <a:r>
+              <a:rPr lang="en-US" dirty="0" smtClean="0">
+                <a:solidFill>
+                  <a:srgbClr val="002060"/>
+                </a:solidFill>
+              </a:rPr>
+              <a:t>Chụp 2 hình </a:t>
+            </a:r>
+            <a:r>
+              <a:rPr lang="en-US" dirty="0" err="1" smtClean="0">
+                <a:solidFill>
+                  <a:srgbClr val="002060"/>
+                </a:solidFill>
+              </a:rPr>
+              <a:t>cửa</a:t>
+            </a:r>
+            <a:r>
+              <a:rPr lang="en-US" dirty="0" smtClean="0">
+                <a:solidFill>
+                  <a:srgbClr val="002060"/>
+                </a:solidFill>
+              </a:rPr>
+              <a:t> hàng : Hình Tổng </a:t>
+            </a:r>
+            <a:r>
+              <a:rPr lang="en-US" dirty="0" err="1" smtClean="0">
+                <a:solidFill>
+                  <a:srgbClr val="002060"/>
+                </a:solidFill>
+              </a:rPr>
+              <a:t>quan</a:t>
+            </a:r>
+            <a:r>
+              <a:rPr lang="en-US" dirty="0" smtClean="0">
+                <a:solidFill>
+                  <a:srgbClr val="002060"/>
+                </a:solidFill>
+              </a:rPr>
+              <a:t> và Hình </a:t>
+            </a:r>
+            <a:r>
+              <a:rPr lang="en-US" dirty="0" err="1" smtClean="0">
+                <a:solidFill>
+                  <a:srgbClr val="002060"/>
+                </a:solidFill>
+              </a:rPr>
+              <a:t>địa</a:t>
+            </a:r>
+            <a:r>
+              <a:rPr lang="en-US" dirty="0" smtClean="0">
+                <a:solidFill>
+                  <a:srgbClr val="002060"/>
+                </a:solidFill>
+              </a:rPr>
+              <a:t> chỉ.</a:t>
+            </a:r>
+            <a:endParaRPr lang="en-US" dirty="0" smtClean="0">
+              <a:solidFill>
+                <a:srgbClr val="002060"/>
+              </a:solidFill>
+            </a:endParaRPr>
+          </a:p>
+          <a:p>
+            <a:endParaRPr lang="en-US" dirty="0" smtClean="0">
+              <a:solidFill>
+                <a:srgbClr val="002060"/>
+              </a:solidFill>
+            </a:endParaRPr>
+          </a:p>
+          <a:p>
+            <a:endParaRPr lang="en-US" dirty="0" smtClean="0">
+              <a:solidFill>
+                <a:srgbClr val="002060"/>
+              </a:solidFill>
+            </a:endParaRPr>
+          </a:p>
+        </p:txBody>
+      </p:sp>
     </p:spTree>
     <p:extLst>
       <p:ext uri="{BB962C8B-B14F-4D97-AF65-F5344CB8AC3E}">
@@ -5359,6 +5554,276 @@
           </a:prstGeom>
         </p:spPr>
       </p:pic>
+      <p:sp>
+        <p:nvSpPr>
+          <p:cNvPr id="3" name="Rectangle 2"/>
+          <p:cNvSpPr/>
+          <p:nvPr/>
+        </p:nvSpPr>
+        <p:spPr>
+          <a:xfrm>
+            <a:off x="7986584" y="502508"/>
+            <a:ext cx="4098324" cy="5272216"/>
+          </a:xfrm>
+          <a:prstGeom prst="rect">
+            <a:avLst/>
+          </a:prstGeom>
+          <a:noFill/>
+          <a:ln w="38100">
+            <a:solidFill>
+              <a:srgbClr val="FF0000"/>
+            </a:solidFill>
+          </a:ln>
+        </p:spPr>
+        <p:style>
+          <a:lnRef idx="2">
+            <a:schemeClr val="accent1">
+              <a:shade val="50000"/>
+            </a:schemeClr>
+          </a:lnRef>
+          <a:fillRef idx="1">
+            <a:schemeClr val="accent1"/>
+          </a:fillRef>
+          <a:effectRef idx="0">
+            <a:schemeClr val="accent1"/>
+          </a:effectRef>
+          <a:fontRef idx="minor">
+            <a:schemeClr val="lt1"/>
+          </a:fontRef>
+        </p:style>
+        <p:txBody>
+          <a:bodyPr rtlCol="0" anchor="ctr"/>
+          <a:lstStyle/>
+          <a:p>
+            <a:r>
+              <a:rPr lang="en-US" dirty="0" smtClean="0">
+                <a:solidFill>
+                  <a:srgbClr val="002060"/>
+                </a:solidFill>
+              </a:rPr>
+              <a:t>B5: </a:t>
+            </a:r>
+            <a:r>
+              <a:rPr lang="en-US" dirty="0" err="1" smtClean="0">
+                <a:solidFill>
+                  <a:srgbClr val="002060"/>
+                </a:solidFill>
+              </a:rPr>
+              <a:t>Thực</a:t>
+            </a:r>
+            <a:r>
+              <a:rPr lang="en-US" dirty="0" smtClean="0">
+                <a:solidFill>
+                  <a:srgbClr val="002060"/>
+                </a:solidFill>
+              </a:rPr>
+              <a:t> hiện báo </a:t>
+            </a:r>
+            <a:r>
+              <a:rPr lang="en-US" dirty="0" err="1" smtClean="0">
+                <a:solidFill>
+                  <a:srgbClr val="002060"/>
+                </a:solidFill>
+              </a:rPr>
+              <a:t>cáo</a:t>
+            </a:r>
+            <a:r>
+              <a:rPr lang="en-US" dirty="0" smtClean="0">
+                <a:solidFill>
+                  <a:srgbClr val="002060"/>
+                </a:solidFill>
+              </a:rPr>
+              <a:t> </a:t>
+            </a:r>
+            <a:r>
+              <a:rPr lang="en-US" dirty="0" err="1" smtClean="0">
+                <a:solidFill>
+                  <a:srgbClr val="002060"/>
+                </a:solidFill>
+              </a:rPr>
+              <a:t>lắp</a:t>
+            </a:r>
+            <a:r>
+              <a:rPr lang="en-US" dirty="0" smtClean="0">
+                <a:solidFill>
+                  <a:srgbClr val="002060"/>
+                </a:solidFill>
+              </a:rPr>
+              <a:t> đặt </a:t>
+            </a:r>
+            <a:r>
+              <a:rPr lang="en-US" dirty="0" smtClean="0">
+                <a:solidFill>
+                  <a:srgbClr val="002060"/>
+                </a:solidFill>
+              </a:rPr>
+              <a:t>POSM(</a:t>
+            </a:r>
+            <a:r>
+              <a:rPr lang="en-US" dirty="0" err="1" smtClean="0">
+                <a:solidFill>
+                  <a:srgbClr val="002060"/>
+                </a:solidFill>
+              </a:rPr>
+              <a:t>tt</a:t>
+            </a:r>
+            <a:r>
+              <a:rPr lang="en-US" dirty="0" smtClean="0">
+                <a:solidFill>
+                  <a:srgbClr val="002060"/>
+                </a:solidFill>
+              </a:rPr>
+              <a:t>):</a:t>
+            </a:r>
+            <a:endParaRPr lang="en-US" dirty="0" smtClean="0">
+              <a:solidFill>
+                <a:srgbClr val="002060"/>
+              </a:solidFill>
+            </a:endParaRPr>
+          </a:p>
+          <a:p>
+            <a:r>
+              <a:rPr lang="en-US" dirty="0">
+                <a:solidFill>
+                  <a:srgbClr val="002060"/>
+                </a:solidFill>
+              </a:rPr>
+              <a:t>1</a:t>
+            </a:r>
+            <a:r>
+              <a:rPr lang="en-US" dirty="0" smtClean="0">
+                <a:solidFill>
+                  <a:srgbClr val="002060"/>
+                </a:solidFill>
+              </a:rPr>
+              <a:t>- Đối với mỗi </a:t>
+            </a:r>
+            <a:r>
+              <a:rPr lang="en-US" dirty="0" err="1" smtClean="0">
+                <a:solidFill>
+                  <a:srgbClr val="002060"/>
+                </a:solidFill>
+              </a:rPr>
+              <a:t>loại</a:t>
+            </a:r>
+            <a:r>
+              <a:rPr lang="en-US" dirty="0" smtClean="0">
+                <a:solidFill>
+                  <a:srgbClr val="002060"/>
+                </a:solidFill>
+              </a:rPr>
+              <a:t> POSM: </a:t>
+            </a:r>
+            <a:r>
+              <a:rPr lang="en-US" dirty="0">
+                <a:solidFill>
+                  <a:srgbClr val="002060"/>
+                </a:solidFill>
+              </a:rPr>
+              <a:t>Mục “Hình </a:t>
+            </a:r>
+            <a:r>
+              <a:rPr lang="en-US" dirty="0" err="1">
+                <a:solidFill>
+                  <a:srgbClr val="002060"/>
+                </a:solidFill>
+              </a:rPr>
+              <a:t>lắp</a:t>
+            </a:r>
+            <a:r>
+              <a:rPr lang="en-US" dirty="0">
+                <a:solidFill>
+                  <a:srgbClr val="002060"/>
+                </a:solidFill>
+              </a:rPr>
+              <a:t> đặt mới”: Chọn vào hình máy chụp hình để tiến hành chụp hình ảnh </a:t>
+            </a:r>
+            <a:r>
+              <a:rPr lang="en-US" dirty="0" err="1">
+                <a:solidFill>
+                  <a:srgbClr val="002060"/>
+                </a:solidFill>
+              </a:rPr>
+              <a:t>theo</a:t>
+            </a:r>
+            <a:r>
+              <a:rPr lang="en-US" dirty="0">
+                <a:solidFill>
+                  <a:srgbClr val="002060"/>
+                </a:solidFill>
+              </a:rPr>
+              <a:t> đúng </a:t>
+            </a:r>
+            <a:r>
+              <a:rPr lang="en-US" dirty="0" err="1">
+                <a:solidFill>
+                  <a:srgbClr val="002060"/>
+                </a:solidFill>
+              </a:rPr>
+              <a:t>nội</a:t>
+            </a:r>
+            <a:r>
+              <a:rPr lang="en-US" dirty="0">
+                <a:solidFill>
+                  <a:srgbClr val="002060"/>
+                </a:solidFill>
+              </a:rPr>
+              <a:t> dung, yêu cầu của </a:t>
+            </a:r>
+            <a:r>
+              <a:rPr lang="en-US" dirty="0" err="1">
+                <a:solidFill>
+                  <a:srgbClr val="002060"/>
+                </a:solidFill>
+              </a:rPr>
+              <a:t>chương</a:t>
+            </a:r>
+            <a:r>
+              <a:rPr lang="en-US" dirty="0">
+                <a:solidFill>
+                  <a:srgbClr val="002060"/>
+                </a:solidFill>
+              </a:rPr>
+              <a:t> </a:t>
+            </a:r>
+            <a:r>
+              <a:rPr lang="en-US">
+                <a:solidFill>
+                  <a:srgbClr val="002060"/>
+                </a:solidFill>
+              </a:rPr>
+              <a:t>trình</a:t>
+            </a:r>
+            <a:r>
+              <a:rPr lang="en-US" smtClean="0">
+                <a:solidFill>
+                  <a:srgbClr val="002060"/>
+                </a:solidFill>
+              </a:rPr>
+              <a:t>.</a:t>
+            </a:r>
+            <a:endParaRPr lang="en-US" dirty="0" smtClean="0">
+              <a:solidFill>
+                <a:srgbClr val="002060"/>
+              </a:solidFill>
+            </a:endParaRPr>
+          </a:p>
+          <a:p>
+            <a:endParaRPr lang="en-US" dirty="0" smtClean="0">
+              <a:solidFill>
+                <a:srgbClr val="002060"/>
+              </a:solidFill>
+            </a:endParaRPr>
+          </a:p>
+          <a:p>
+            <a:endParaRPr lang="en-US" dirty="0" smtClean="0">
+              <a:solidFill>
+                <a:srgbClr val="002060"/>
+              </a:solidFill>
+            </a:endParaRPr>
+          </a:p>
+        </p:txBody>
+      </p:sp>
     </p:spTree>
     <p:extLst>
       <p:ext uri="{BB962C8B-B14F-4D97-AF65-F5344CB8AC3E}">
